--- a/מצגת1.pptx
+++ b/מצגת1.pptx
@@ -293,7 +293,7 @@
           <a:p>
             <a:fld id="{CEBD12B4-2B1F-45E8-B8EA-6D99F4FE2B77}" type="datetimeFigureOut">
               <a:rPr lang="he-IL" smtClean="0"/>
-              <a:t>ד'/כסלו/תשפ"א</a:t>
+              <a:t>ט"ו/כסלו/תשפ"א</a:t>
             </a:fld>
             <a:endParaRPr lang="he-IL"/>
           </a:p>
@@ -491,7 +491,7 @@
           <a:p>
             <a:fld id="{CEBD12B4-2B1F-45E8-B8EA-6D99F4FE2B77}" type="datetimeFigureOut">
               <a:rPr lang="he-IL" smtClean="0"/>
-              <a:t>ד'/כסלו/תשפ"א</a:t>
+              <a:t>ט"ו/כסלו/תשפ"א</a:t>
             </a:fld>
             <a:endParaRPr lang="he-IL"/>
           </a:p>
@@ -699,7 +699,7 @@
           <a:p>
             <a:fld id="{CEBD12B4-2B1F-45E8-B8EA-6D99F4FE2B77}" type="datetimeFigureOut">
               <a:rPr lang="he-IL" smtClean="0"/>
-              <a:t>ד'/כסלו/תשפ"א</a:t>
+              <a:t>ט"ו/כסלו/תשפ"א</a:t>
             </a:fld>
             <a:endParaRPr lang="he-IL"/>
           </a:p>
@@ -897,7 +897,7 @@
           <a:p>
             <a:fld id="{CEBD12B4-2B1F-45E8-B8EA-6D99F4FE2B77}" type="datetimeFigureOut">
               <a:rPr lang="he-IL" smtClean="0"/>
-              <a:t>ד'/כסלו/תשפ"א</a:t>
+              <a:t>ט"ו/כסלו/תשפ"א</a:t>
             </a:fld>
             <a:endParaRPr lang="he-IL"/>
           </a:p>
@@ -1172,7 +1172,7 @@
           <a:p>
             <a:fld id="{CEBD12B4-2B1F-45E8-B8EA-6D99F4FE2B77}" type="datetimeFigureOut">
               <a:rPr lang="he-IL" smtClean="0"/>
-              <a:t>ד'/כסלו/תשפ"א</a:t>
+              <a:t>ט"ו/כסלו/תשפ"א</a:t>
             </a:fld>
             <a:endParaRPr lang="he-IL"/>
           </a:p>
@@ -1437,7 +1437,7 @@
           <a:p>
             <a:fld id="{CEBD12B4-2B1F-45E8-B8EA-6D99F4FE2B77}" type="datetimeFigureOut">
               <a:rPr lang="he-IL" smtClean="0"/>
-              <a:t>ד'/כסלו/תשפ"א</a:t>
+              <a:t>ט"ו/כסלו/תשפ"א</a:t>
             </a:fld>
             <a:endParaRPr lang="he-IL"/>
           </a:p>
@@ -1849,7 +1849,7 @@
           <a:p>
             <a:fld id="{CEBD12B4-2B1F-45E8-B8EA-6D99F4FE2B77}" type="datetimeFigureOut">
               <a:rPr lang="he-IL" smtClean="0"/>
-              <a:t>ד'/כסלו/תשפ"א</a:t>
+              <a:t>ט"ו/כסלו/תשפ"א</a:t>
             </a:fld>
             <a:endParaRPr lang="he-IL"/>
           </a:p>
@@ -1990,7 +1990,7 @@
           <a:p>
             <a:fld id="{CEBD12B4-2B1F-45E8-B8EA-6D99F4FE2B77}" type="datetimeFigureOut">
               <a:rPr lang="he-IL" smtClean="0"/>
-              <a:t>ד'/כסלו/תשפ"א</a:t>
+              <a:t>ט"ו/כסלו/תשפ"א</a:t>
             </a:fld>
             <a:endParaRPr lang="he-IL"/>
           </a:p>
@@ -2103,7 +2103,7 @@
           <a:p>
             <a:fld id="{CEBD12B4-2B1F-45E8-B8EA-6D99F4FE2B77}" type="datetimeFigureOut">
               <a:rPr lang="he-IL" smtClean="0"/>
-              <a:t>ד'/כסלו/תשפ"א</a:t>
+              <a:t>ט"ו/כסלו/תשפ"א</a:t>
             </a:fld>
             <a:endParaRPr lang="he-IL"/>
           </a:p>
@@ -2414,7 +2414,7 @@
           <a:p>
             <a:fld id="{CEBD12B4-2B1F-45E8-B8EA-6D99F4FE2B77}" type="datetimeFigureOut">
               <a:rPr lang="he-IL" smtClean="0"/>
-              <a:t>ד'/כסלו/תשפ"א</a:t>
+              <a:t>ט"ו/כסלו/תשפ"א</a:t>
             </a:fld>
             <a:endParaRPr lang="he-IL"/>
           </a:p>
@@ -2702,7 +2702,7 @@
           <a:p>
             <a:fld id="{CEBD12B4-2B1F-45E8-B8EA-6D99F4FE2B77}" type="datetimeFigureOut">
               <a:rPr lang="he-IL" smtClean="0"/>
-              <a:t>ד'/כסלו/תשפ"א</a:t>
+              <a:t>ט"ו/כסלו/תשפ"א</a:t>
             </a:fld>
             <a:endParaRPr lang="he-IL"/>
           </a:p>
@@ -2943,7 +2943,7 @@
           <a:p>
             <a:fld id="{CEBD12B4-2B1F-45E8-B8EA-6D99F4FE2B77}" type="datetimeFigureOut">
               <a:rPr lang="he-IL" smtClean="0"/>
-              <a:t>ד'/כסלו/תשפ"א</a:t>
+              <a:t>ט"ו/כסלו/תשפ"א</a:t>
             </a:fld>
             <a:endParaRPr lang="he-IL"/>
           </a:p>
@@ -4923,6 +4923,104 @@
           </a:fontRef>
         </p:style>
       </p:cxnSp>
+      <p:cxnSp>
+        <p:nvCxnSpPr>
+          <p:cNvPr id="37" name="מחבר חץ ישר 36">
+            <a:extLst>
+              <a:ext uri="{FF2B5EF4-FFF2-40B4-BE49-F238E27FC236}">
+                <a16:creationId xmlns:a16="http://schemas.microsoft.com/office/drawing/2014/main" id="{599B6EE9-22BC-4DA5-9703-6446E464B438}"/>
+              </a:ext>
+            </a:extLst>
+          </p:cNvPr>
+          <p:cNvCxnSpPr>
+            <a:cxnSpLocks/>
+          </p:cNvCxnSpPr>
+          <p:nvPr/>
+        </p:nvCxnSpPr>
+        <p:spPr>
+          <a:xfrm>
+            <a:off x="2589727" y="2078822"/>
+            <a:ext cx="477140" cy="342481"/>
+          </a:xfrm>
+          <a:prstGeom prst="straightConnector1">
+            <a:avLst/>
+          </a:prstGeom>
+          <a:ln>
+            <a:tailEnd type="triangle"/>
+          </a:ln>
+        </p:spPr>
+        <p:style>
+          <a:lnRef idx="1">
+            <a:schemeClr val="accent1"/>
+          </a:lnRef>
+          <a:fillRef idx="0">
+            <a:schemeClr val="accent1"/>
+          </a:fillRef>
+          <a:effectRef idx="0">
+            <a:schemeClr val="accent1"/>
+          </a:effectRef>
+          <a:fontRef idx="minor">
+            <a:schemeClr val="tx1"/>
+          </a:fontRef>
+        </p:style>
+      </p:cxnSp>
+      <p:sp>
+        <p:nvSpPr>
+          <p:cNvPr id="41" name="מלבן 40">
+            <a:extLst>
+              <a:ext uri="{FF2B5EF4-FFF2-40B4-BE49-F238E27FC236}">
+                <a16:creationId xmlns:a16="http://schemas.microsoft.com/office/drawing/2014/main" id="{C9626BCC-FAFC-423B-AFD7-14E613C34BD0}"/>
+              </a:ext>
+            </a:extLst>
+          </p:cNvPr>
+          <p:cNvSpPr/>
+          <p:nvPr/>
+        </p:nvSpPr>
+        <p:spPr>
+          <a:xfrm>
+            <a:off x="2688301" y="2421303"/>
+            <a:ext cx="1301492" cy="693173"/>
+          </a:xfrm>
+          <a:prstGeom prst="rect">
+            <a:avLst/>
+          </a:prstGeom>
+        </p:spPr>
+        <p:style>
+          <a:lnRef idx="2">
+            <a:schemeClr val="accent4">
+              <a:shade val="50000"/>
+            </a:schemeClr>
+          </a:lnRef>
+          <a:fillRef idx="1">
+            <a:schemeClr val="accent4"/>
+          </a:fillRef>
+          <a:effectRef idx="0">
+            <a:schemeClr val="accent4"/>
+          </a:effectRef>
+          <a:fontRef idx="minor">
+            <a:schemeClr val="lt1"/>
+          </a:fontRef>
+        </p:style>
+        <p:txBody>
+          <a:bodyPr rtlCol="1" anchor="ctr"/>
+          <a:lstStyle/>
+          <a:p>
+            <a:pPr algn="ctr"/>
+            <a:r>
+              <a:rPr lang="he-IL" dirty="0"/>
+              <a:t>דף הבית</a:t>
+            </a:r>
+          </a:p>
+          <a:p>
+            <a:pPr algn="ctr"/>
+            <a:r>
+              <a:rPr lang="he-IL"/>
+              <a:t>אחר </a:t>
+            </a:r>
+            <a:endParaRPr lang="he-IL" dirty="0"/>
+          </a:p>
+        </p:txBody>
+      </p:sp>
     </p:spTree>
     <p:extLst>
       <p:ext uri="{BB962C8B-B14F-4D97-AF65-F5344CB8AC3E}">
@@ -11416,7 +11514,7 @@
         <p:spPr>
           <a:xfrm>
             <a:off x="4041446" y="1653503"/>
-            <a:ext cx="6613865" cy="1477328"/>
+            <a:ext cx="6613865" cy="3139321"/>
           </a:xfrm>
           <a:prstGeom prst="rect">
             <a:avLst/>
@@ -11429,55 +11527,168 @@
           </a:bodyPr>
           <a:lstStyle/>
           <a:p>
+            <a:pPr marL="342900" indent="-342900">
+              <a:buAutoNum type="arabicPeriod"/>
+            </a:pPr>
             <a:r>
               <a:rPr lang="he-IL" dirty="0"/>
-              <a:t>1. יצירת פוסט חדש- כולל עדכון ב</a:t>
-            </a:r>
-            <a:r>
-              <a:rPr lang="en-US" dirty="0"/>
-              <a:t>firebase</a:t>
+              <a:t>חיפוש </a:t>
+            </a:r>
+            <a:r>
+              <a:rPr lang="he-IL" dirty="0" err="1"/>
+              <a:t>פוסט+יצירת</a:t>
             </a:r>
             <a:r>
               <a:rPr lang="he-IL" dirty="0"/>
-              <a:t> .</a:t>
-            </a:r>
-          </a:p>
-          <a:p>
+              <a:t> פוסט: חיפוש עיר עם השלמה</a:t>
+            </a:r>
+          </a:p>
+          <a:p>
+            <a:pPr marL="342900" indent="-342900">
+              <a:buAutoNum type="arabicPeriod"/>
+            </a:pPr>
+            <a:r>
+              <a:rPr lang="he-IL" dirty="0">
+                <a:highlight>
+                  <a:srgbClr val="FFFF00"/>
+                </a:highlight>
+              </a:rPr>
+              <a:t>שמירת פוסט – </a:t>
+            </a:r>
+            <a:r>
+              <a:rPr lang="en-US" dirty="0">
+                <a:highlight>
+                  <a:srgbClr val="FFFF00"/>
+                </a:highlight>
+              </a:rPr>
+              <a:t>DB </a:t>
+            </a:r>
+            <a:r>
+              <a:rPr lang="he-IL" dirty="0">
+                <a:highlight>
+                  <a:srgbClr val="FFFF00"/>
+                </a:highlight>
+              </a:rPr>
+              <a:t> תבנית(איתי)</a:t>
+            </a:r>
+          </a:p>
+          <a:p>
+            <a:pPr marL="342900" indent="-342900">
+              <a:buAutoNum type="arabicPeriod"/>
+            </a:pPr>
+            <a:r>
+              <a:rPr lang="he-IL" dirty="0">
+                <a:highlight>
+                  <a:srgbClr val="FFFF00"/>
+                </a:highlight>
+              </a:rPr>
+              <a:t>חיפוש פוסט : שליפת נתונים מהתבנית (מיכאל)</a:t>
+            </a:r>
+          </a:p>
+          <a:p>
+            <a:pPr marL="342900" indent="-342900">
+              <a:buAutoNum type="arabicPeriod"/>
+            </a:pPr>
+            <a:r>
+              <a:rPr lang="he-IL" dirty="0">
+                <a:highlight>
+                  <a:srgbClr val="FFFF00"/>
+                </a:highlight>
+              </a:rPr>
+              <a:t>דף מנהל(אילנה) </a:t>
+            </a:r>
+          </a:p>
+          <a:p>
+            <a:pPr marL="342900" indent="-342900">
+              <a:buAutoNum type="arabicPeriod"/>
+            </a:pPr>
+            <a:r>
+              <a:rPr lang="he-IL" dirty="0">
+                <a:highlight>
+                  <a:srgbClr val="FFFF00"/>
+                </a:highlight>
+              </a:rPr>
+              <a:t>פרופיל – מערך של הפוסטים שלי(אילנה) </a:t>
+            </a:r>
+          </a:p>
+          <a:p>
+            <a:pPr marL="342900" indent="-342900">
+              <a:buAutoNum type="arabicPeriod"/>
+            </a:pPr>
+            <a:r>
+              <a:rPr lang="he-IL" dirty="0">
+                <a:highlight>
+                  <a:srgbClr val="FFFF00"/>
+                </a:highlight>
+              </a:rPr>
+              <a:t>לסגור את הפינה של מעברים מה</a:t>
+            </a:r>
+            <a:r>
+              <a:rPr lang="en-US" dirty="0">
+                <a:highlight>
+                  <a:srgbClr val="FFFF00"/>
+                </a:highlight>
+              </a:rPr>
+              <a:t>toolbar</a:t>
+            </a:r>
+            <a:r>
+              <a:rPr lang="he-IL" dirty="0">
+                <a:highlight>
+                  <a:srgbClr val="FFFF00"/>
+                </a:highlight>
+              </a:rPr>
+              <a:t>(מיכאל)</a:t>
+            </a:r>
+            <a:endParaRPr lang="en-US" dirty="0">
+              <a:highlight>
+                <a:srgbClr val="FFFF00"/>
+              </a:highlight>
+            </a:endParaRPr>
+          </a:p>
+          <a:p>
+            <a:pPr marL="342900" indent="-342900">
+              <a:buAutoNum type="arabicPeriod"/>
+            </a:pPr>
             <a:r>
               <a:rPr lang="he-IL" dirty="0"/>
-              <a:t>2.להוסיף </a:t>
-            </a:r>
-            <a:r>
-              <a:rPr lang="en-US" dirty="0"/>
-              <a:t>logout</a:t>
+              <a:t>נראות – כתב יפה, רקעים סידור כפתורים, אייקון של </a:t>
+            </a:r>
+            <a:r>
+              <a:rPr lang="he-IL" dirty="0" err="1"/>
+              <a:t>האפליקיה</a:t>
             </a:r>
             <a:r>
               <a:rPr lang="he-IL" dirty="0"/>
-              <a:t> ל </a:t>
-            </a:r>
-            <a:r>
-              <a:rPr lang="en-US" dirty="0"/>
-              <a:t>toolbar</a:t>
-            </a:r>
+              <a:t>(מיכאל)</a:t>
+            </a:r>
+          </a:p>
+          <a:p>
+            <a:pPr marL="342900" indent="-342900">
+              <a:buAutoNum type="arabicPeriod"/>
+            </a:pPr>
+            <a:r>
+              <a:rPr lang="he-IL" dirty="0">
+                <a:highlight>
+                  <a:srgbClr val="FFFF00"/>
+                </a:highlight>
+              </a:rPr>
+              <a:t>דף הבית(איתי)</a:t>
+            </a:r>
+          </a:p>
+          <a:p>
+            <a:pPr marL="342900" indent="-342900">
+              <a:buAutoNum type="arabicPeriod"/>
+            </a:pPr>
+            <a:r>
+              <a:rPr lang="he-IL" dirty="0"/>
+              <a:t>שמירת פוסטים שאהבנו </a:t>
+            </a:r>
+          </a:p>
+          <a:p>
+            <a:pPr marL="342900" indent="-342900">
+              <a:buAutoNum type="arabicPeriod"/>
+            </a:pPr>
             <a:endParaRPr lang="he-IL" dirty="0"/>
-          </a:p>
-          <a:p>
-            <a:r>
-              <a:rPr lang="he-IL" dirty="0"/>
-              <a:t>3. חיפוש פוסטים – מיכאל </a:t>
-            </a:r>
-          </a:p>
-          <a:p>
-            <a:r>
-              <a:rPr lang="he-IL" dirty="0"/>
-              <a:t>4.הפורפיל שלי –  אילנה</a:t>
-            </a:r>
-          </a:p>
-          <a:p>
-            <a:r>
-              <a:rPr lang="he-IL" dirty="0"/>
-              <a:t>5. יצירת פוסט חדש - איתי</a:t>
-            </a:r>
           </a:p>
         </p:txBody>
       </p:sp>
